--- a/Car Story 게시판_포트폴리오.pptx
+++ b/Car Story 게시판_포트폴리오.pptx
@@ -3079,7 +3079,7 @@
               <a:rPr lang="en-US" altLang="ko-KR">
                 <a:hlinkClick r:id="rId2"/>
               </a:rPr>
-              <a:t>https://github.com/zenithmoon22/board.git</a:t>
+              <a:t>https://github.com/zenithmoon22/vboard.git</a:t>
             </a:r>
             <a:endParaRPr lang="ko-KR" altLang="en-US"/>
           </a:p>
@@ -4611,10 +4611,10 @@
       </p:grpSpPr>
       <p:pic>
         <p:nvPicPr>
-          <p:cNvPr id="6" name="그림 5" descr="스크린샷이(가) 표시된 사진&#10;&#10;자동 생성된 설명">
-            <a:extLst>
-              <a:ext uri="{FF2B5EF4-FFF2-40B4-BE49-F238E27FC236}">
-                <a16:creationId xmlns:a16="http://schemas.microsoft.com/office/drawing/2014/main" id="{DC13C407-D6D1-4030-B37C-56676A051157}"/>
+          <p:cNvPr id="10" name="그림 9" descr="스크린샷이(가) 표시된 사진&#10;&#10;자동 생성된 설명">
+            <a:extLst>
+              <a:ext uri="{FF2B5EF4-FFF2-40B4-BE49-F238E27FC236}">
+                <a16:creationId xmlns:a16="http://schemas.microsoft.com/office/drawing/2014/main" id="{FE426739-8A2E-4E6D-BF5F-044ADB31D5B7}"/>
               </a:ext>
             </a:extLst>
           </p:cNvPr>
@@ -4637,8 +4637,8 @@
         </p:blipFill>
         <p:spPr>
           <a:xfrm>
-            <a:off x="440553" y="1218968"/>
-            <a:ext cx="5812158" cy="4801064"/>
+            <a:off x="475491" y="1322968"/>
+            <a:ext cx="5943953" cy="5054382"/>
           </a:xfrm>
           <a:prstGeom prst="rect">
             <a:avLst/>
@@ -4732,7 +4732,7 @@
         <p:spPr>
           <a:xfrm>
             <a:off x="6720784" y="1803618"/>
-            <a:ext cx="5030663" cy="2215991"/>
+            <a:ext cx="5030663" cy="1969770"/>
           </a:xfrm>
           <a:prstGeom prst="rect">
             <a:avLst/>
@@ -4769,7 +4769,14 @@
           <a:p>
             <a:r>
               <a:rPr lang="ko-KR" altLang="en-US" sz="1400"/>
-              <a:t>스마트에디터는 네이버에서 배포한 무료 오픈소스로 웹페이지 게시판에 사용자가 작성할 </a:t>
+              <a:t>썸머노트는 무료 오픈소스로 웹페이지 게시판에 사용자가 </a:t>
+            </a:r>
+            <a:endParaRPr lang="en-US" altLang="ko-KR" sz="1400"/>
+          </a:p>
+          <a:p>
+            <a:r>
+              <a:rPr lang="ko-KR" altLang="en-US" sz="1400"/>
+              <a:t>작성할 </a:t>
             </a:r>
             <a:r>
               <a:rPr lang="en-US" altLang="ko-KR" sz="1400"/>
@@ -4875,7 +4882,7 @@
         </p:nvSpPr>
         <p:spPr>
           <a:xfrm>
-            <a:off x="1055717" y="1276458"/>
+            <a:off x="1842394" y="2651343"/>
             <a:ext cx="304541" cy="274320"/>
           </a:xfrm>
           <a:prstGeom prst="ellipse">
@@ -4939,7 +4946,7 @@
         </p:nvSpPr>
         <p:spPr>
           <a:xfrm>
-            <a:off x="1066670" y="5144647"/>
+            <a:off x="2770779" y="5459826"/>
             <a:ext cx="304541" cy="274320"/>
           </a:xfrm>
           <a:prstGeom prst="ellipse">
@@ -5655,6 +5662,42 @@
           <a:chExt cx="0" cy="0"/>
         </a:xfrm>
       </p:grpSpPr>
+      <p:pic>
+        <p:nvPicPr>
+          <p:cNvPr id="4" name="그림 3" descr="스크린샷이(가) 표시된 사진&#10;&#10;자동 생성된 설명">
+            <a:extLst>
+              <a:ext uri="{FF2B5EF4-FFF2-40B4-BE49-F238E27FC236}">
+                <a16:creationId xmlns:a16="http://schemas.microsoft.com/office/drawing/2014/main" id="{99DCE301-E32D-402C-8065-A9EBF6CBF2D7}"/>
+              </a:ext>
+            </a:extLst>
+          </p:cNvPr>
+          <p:cNvPicPr>
+            <a:picLocks noChangeAspect="1"/>
+          </p:cNvPicPr>
+          <p:nvPr/>
+        </p:nvPicPr>
+        <p:blipFill>
+          <a:blip r:embed="rId2">
+            <a:extLst>
+              <a:ext uri="{28A0092B-C50C-407E-A947-70E740481C1C}">
+                <a14:useLocalDpi xmlns:a14="http://schemas.microsoft.com/office/drawing/2010/main" val="0"/>
+              </a:ext>
+            </a:extLst>
+          </a:blip>
+          <a:stretch>
+            <a:fillRect/>
+          </a:stretch>
+        </p:blipFill>
+        <p:spPr>
+          <a:xfrm>
+            <a:off x="616355" y="1122520"/>
+            <a:ext cx="5452372" cy="5161902"/>
+          </a:xfrm>
+          <a:prstGeom prst="rect">
+            <a:avLst/>
+          </a:prstGeom>
+        </p:spPr>
+      </p:pic>
       <p:sp>
         <p:nvSpPr>
           <p:cNvPr id="2" name="제목 1">
@@ -5818,7 +5861,7 @@
           <a:p>
             <a:r>
               <a:rPr lang="ko-KR" altLang="en-US" sz="1400"/>
-              <a:t>기존 글을 네이버 에디터를 통해 다시 수정 가능합니다</a:t>
+              <a:t>기존 글을 썸머노트를 통해 다시 수정 가능합니다</a:t>
             </a:r>
             <a:r>
               <a:rPr lang="en-US" altLang="ko-KR" sz="1400"/>
@@ -5881,42 +5924,6 @@
           </a:p>
         </p:txBody>
       </p:sp>
-      <p:pic>
-        <p:nvPicPr>
-          <p:cNvPr id="6" name="그림 5" descr="스크린샷이(가) 표시된 사진&#10;&#10;자동 생성된 설명">
-            <a:extLst>
-              <a:ext uri="{FF2B5EF4-FFF2-40B4-BE49-F238E27FC236}">
-                <a16:creationId xmlns:a16="http://schemas.microsoft.com/office/drawing/2014/main" id="{DB36E450-6F6E-41DA-A4EA-B9411130BB19}"/>
-              </a:ext>
-            </a:extLst>
-          </p:cNvPr>
-          <p:cNvPicPr>
-            <a:picLocks noChangeAspect="1"/>
-          </p:cNvPicPr>
-          <p:nvPr/>
-        </p:nvPicPr>
-        <p:blipFill>
-          <a:blip r:embed="rId2">
-            <a:extLst>
-              <a:ext uri="{28A0092B-C50C-407E-A947-70E740481C1C}">
-                <a14:useLocalDpi xmlns:a14="http://schemas.microsoft.com/office/drawing/2010/main" val="0"/>
-              </a:ext>
-            </a:extLst>
-          </a:blip>
-          <a:stretch>
-            <a:fillRect/>
-          </a:stretch>
-        </p:blipFill>
-        <p:spPr>
-          <a:xfrm>
-            <a:off x="707622" y="1169625"/>
-            <a:ext cx="5248870" cy="5207725"/>
-          </a:xfrm>
-          <a:prstGeom prst="rect">
-            <a:avLst/>
-          </a:prstGeom>
-        </p:spPr>
-      </p:pic>
       <p:sp>
         <p:nvSpPr>
           <p:cNvPr id="12" name="타원 11">
@@ -5931,7 +5938,7 @@
         </p:nvSpPr>
         <p:spPr>
           <a:xfrm>
-            <a:off x="1535241" y="1500290"/>
+            <a:off x="1535241" y="2386761"/>
             <a:ext cx="304541" cy="274320"/>
           </a:xfrm>
           <a:prstGeom prst="ellipse">
@@ -5995,7 +6002,7 @@
         </p:nvSpPr>
         <p:spPr>
           <a:xfrm>
-            <a:off x="2310548" y="4912519"/>
+            <a:off x="2285609" y="5020584"/>
             <a:ext cx="304541" cy="274320"/>
           </a:xfrm>
           <a:prstGeom prst="ellipse">
@@ -6714,7 +6721,7 @@
         <p:spPr>
           <a:xfrm>
             <a:off x="6377393" y="2767280"/>
-            <a:ext cx="5030663" cy="1323439"/>
+            <a:ext cx="5030663" cy="1200329"/>
           </a:xfrm>
           <a:prstGeom prst="rect">
             <a:avLst/>
@@ -6728,27 +6735,27 @@
           <a:lstStyle/>
           <a:p>
             <a:r>
-              <a:rPr lang="ko-KR" altLang="en-US" sz="1600"/>
+              <a:rPr lang="ko-KR" altLang="en-US" sz="1400"/>
               <a:t>로그인된 회원의 아이디가 자동 불러와지며</a:t>
             </a:r>
-            <a:endParaRPr lang="en-US" altLang="ko-KR" sz="1600"/>
-          </a:p>
-          <a:p>
-            <a:r>
-              <a:rPr lang="ko-KR" altLang="en-US" sz="1600"/>
+            <a:endParaRPr lang="en-US" altLang="ko-KR" sz="1400"/>
+          </a:p>
+          <a:p>
+            <a:r>
+              <a:rPr lang="ko-KR" altLang="en-US" sz="1400"/>
               <a:t>읽을수만 있도록 하고 수정 불가</a:t>
             </a:r>
-            <a:endParaRPr lang="en-US" altLang="ko-KR" sz="1600"/>
-          </a:p>
-          <a:p>
-            <a:endParaRPr lang="en-US" altLang="ko-KR" sz="1600"/>
-          </a:p>
-          <a:p>
-            <a:r>
-              <a:rPr lang="ko-KR" altLang="en-US" sz="1600"/>
+            <a:endParaRPr lang="en-US" altLang="ko-KR" sz="1400"/>
+          </a:p>
+          <a:p>
+            <a:endParaRPr lang="en-US" altLang="ko-KR" sz="1400"/>
+          </a:p>
+          <a:p>
+            <a:r>
+              <a:rPr lang="ko-KR" altLang="en-US" sz="1400"/>
               <a:t>비밀번호를 올바르게 입력했을 시 탈퇴 가능</a:t>
             </a:r>
-            <a:endParaRPr lang="en-US" altLang="ko-KR" sz="1600"/>
+            <a:endParaRPr lang="en-US" altLang="ko-KR" sz="1400"/>
           </a:p>
           <a:p>
             <a:endParaRPr lang="en-US" altLang="ko-KR" sz="1600"/>
@@ -6972,7 +6979,7 @@
               <a:rPr lang="en-US" altLang="ko-KR" sz="1800">
                 <a:hlinkClick r:id="rId2"/>
               </a:rPr>
-              <a:t>https://github.com/zenithmoon22/board.git</a:t>
+              <a:t>https://github.com/zenithmoon22/vboard.git</a:t>
             </a:r>
             <a:endParaRPr lang="ko-KR" altLang="en-US" sz="1800"/>
           </a:p>
@@ -7396,7 +7403,23 @@
             </a:pPr>
             <a:r>
               <a:rPr lang="ko-KR" altLang="en-US" sz="2400"/>
-              <a:t>회원가입 글쓰기 댓글 관련 게시판은 어디서나 필수적인 요소</a:t>
+              <a:t>회원가입</a:t>
+            </a:r>
+            <a:r>
+              <a:rPr lang="en-US" altLang="ko-KR" sz="2400"/>
+              <a:t>,</a:t>
+            </a:r>
+            <a:r>
+              <a:rPr lang="ko-KR" altLang="en-US" sz="2400"/>
+              <a:t> 글쓰기</a:t>
+            </a:r>
+            <a:r>
+              <a:rPr lang="en-US" altLang="ko-KR" sz="2400"/>
+              <a:t>,</a:t>
+            </a:r>
+            <a:r>
+              <a:rPr lang="ko-KR" altLang="en-US" sz="2400"/>
+              <a:t> 댓글 관련 게시판은 어디서나 필수적인 요소</a:t>
             </a:r>
             <a:endParaRPr lang="en-US" altLang="ko-KR" sz="2400"/>
           </a:p>
@@ -8149,7 +8172,7 @@
             </a:r>
             <a:r>
               <a:rPr lang="ko-KR" altLang="en-US" sz="1800"/>
-              <a:t>다중 파일첨부</a:t>
+              <a:t>다중 파일 첨부</a:t>
             </a:r>
             <a:endParaRPr lang="en-US" altLang="ko-KR" sz="1800"/>
           </a:p>
